--- a/assets/slides/2023-April.pptx
+++ b/assets/slides/2023-April.pptx
@@ -20,6 +20,7 @@
     <p:sldId id="263" r:id="rId14"/>
     <p:sldId id="264" r:id="rId15"/>
     <p:sldId id="265" r:id="rId16"/>
+    <p:sldId id="266" r:id="rId17"/>
   </p:sldIdLst>
   <p:sldSz cy="6858000" cx="12192000"/>
   <p:notesSz cx="7772400" cy="10058400"/>
@@ -254,7 +255,7 @@
   </p:defaultTextStyle>
   <p:extLst>
     <p:ext uri="http://customooxmlschemas.google.com/">
-      <go:slidesCustomData xmlns:go="http://customooxmlschemas.google.com/" r:id="rId17" roundtripDataSignature="AMtx7mgf0e1omHB4xpLMwUQ+BLL4kWEI2w=="/>
+      <go:slidesCustomData xmlns:go="http://customooxmlschemas.google.com/" r:id="rId18" roundtripDataSignature="AMtx7mjIrOWRCVikwRRR12hvno6Jjo3KhA=="/>
     </p:ext>
   </p:extLst>
 </p:presentation>
@@ -964,7 +965,106 @@
       </p:grpSpPr>
       <p:sp>
         <p:nvSpPr>
-          <p:cNvPr id="247" name="Google Shape;247;geb618f3862_0_0:notes"/>
+          <p:cNvPr id="247" name="Google Shape;247;g232bef3c2ac_0_40:notes"/>
+          <p:cNvSpPr txBox="1"/>
+          <p:nvPr>
+            <p:ph idx="1" type="body"/>
+          </p:nvPr>
+        </p:nvSpPr>
+        <p:spPr>
+          <a:xfrm>
+            <a:off x="777225" y="4777725"/>
+            <a:ext cx="6217800" cy="4526400"/>
+          </a:xfrm>
+          <a:prstGeom prst="rect">
+            <a:avLst/>
+          </a:prstGeom>
+        </p:spPr>
+        <p:txBody>
+          <a:bodyPr anchorCtr="0" anchor="t" bIns="91425" lIns="91425" spcFirstLastPara="1" rIns="91425" wrap="square" tIns="91425">
+            <a:noAutofit/>
+          </a:bodyPr>
+          <a:lstStyle/>
+          <a:p>
+            <a:pPr indent="0" lvl="0" marL="0" rtl="0" algn="l">
+              <a:spcBef>
+                <a:spcPts val="0"/>
+              </a:spcBef>
+              <a:spcAft>
+                <a:spcPts val="0"/>
+              </a:spcAft>
+              <a:buNone/>
+            </a:pPr>
+            <a:r>
+              <a:t/>
+            </a:r>
+            <a:endParaRPr/>
+          </a:p>
+        </p:txBody>
+      </p:sp>
+      <p:sp>
+        <p:nvSpPr>
+          <p:cNvPr id="248" name="Google Shape;248;g232bef3c2ac_0_40:notes"/>
+          <p:cNvSpPr/>
+          <p:nvPr>
+            <p:ph idx="2" type="sldImg"/>
+          </p:nvPr>
+        </p:nvSpPr>
+        <p:spPr>
+          <a:xfrm>
+            <a:off x="1295650" y="754375"/>
+            <a:ext cx="5181900" cy="3771900"/>
+          </a:xfrm>
+          <a:custGeom>
+            <a:rect b="b" l="l" r="r" t="t"/>
+            <a:pathLst>
+              <a:path extrusionOk="0" h="120000" w="120000">
+                <a:moveTo>
+                  <a:pt x="0" y="0"/>
+                </a:moveTo>
+                <a:lnTo>
+                  <a:pt x="120000" y="0"/>
+                </a:lnTo>
+                <a:lnTo>
+                  <a:pt x="120000" y="120000"/>
+                </a:lnTo>
+                <a:lnTo>
+                  <a:pt x="0" y="120000"/>
+                </a:lnTo>
+                <a:close/>
+              </a:path>
+            </a:pathLst>
+          </a:custGeom>
+        </p:spPr>
+      </p:sp>
+    </p:spTree>
+  </p:cSld>
+  <p:clrMapOvr>
+    <a:masterClrMapping/>
+  </p:clrMapOvr>
+</p:notes>
+</file>
+
+<file path=ppt/notesSlides/notesSlide11.xml><?xml version="1.0" encoding="utf-8"?>
+<p:notes xmlns:a="http://schemas.openxmlformats.org/drawingml/2006/main" xmlns:r="http://schemas.openxmlformats.org/officeDocument/2006/relationships" xmlns:mc="http://schemas.openxmlformats.org/markup-compatibility/2006" xmlns:mv="urn:schemas-microsoft-com:mac:vml" xmlns:p="http://schemas.openxmlformats.org/presentationml/2006/main" xmlns:c="http://schemas.openxmlformats.org/drawingml/2006/chart" xmlns:dgm="http://schemas.openxmlformats.org/drawingml/2006/diagram" xmlns:o="urn:schemas-microsoft-com:office:office" xmlns:v="urn:schemas-microsoft-com:vml" xmlns:pvml="urn:schemas-microsoft-com:office:powerpoint" xmlns:com="http://schemas.openxmlformats.org/drawingml/2006/compatibility" xmlns:p14="http://schemas.microsoft.com/office/powerpoint/2010/main" xmlns:p15="http://schemas.microsoft.com/office/powerpoint/2012/main" xmlns:ahyp="http://schemas.microsoft.com/office/drawing/2018/hyperlinkcolor" showMasterPhAnim="0" showMasterSp="0">
+  <p:cSld>
+    <p:spTree>
+      <p:nvGrpSpPr>
+        <p:cNvPr id="256" name="Shape 256"/>
+        <p:cNvGrpSpPr/>
+        <p:nvPr/>
+      </p:nvGrpSpPr>
+      <p:grpSpPr>
+        <a:xfrm>
+          <a:off x="0" y="0"/>
+          <a:ext cx="0" cy="0"/>
+          <a:chOff x="0" y="0"/>
+          <a:chExt cx="0" cy="0"/>
+        </a:xfrm>
+      </p:grpSpPr>
+      <p:sp>
+        <p:nvSpPr>
+          <p:cNvPr id="257" name="Google Shape;257;geb618f3862_0_0:notes"/>
           <p:cNvSpPr txBox="1"/>
           <p:nvPr>
             <p:ph idx="1" type="body"/>
@@ -1011,7 +1111,7 @@
       </p:sp>
       <p:sp>
         <p:nvSpPr>
-          <p:cNvPr id="248" name="Google Shape;248;geb618f3862_0_0:notes"/>
+          <p:cNvPr id="258" name="Google Shape;258;geb618f3862_0_0:notes"/>
           <p:cNvSpPr/>
           <p:nvPr>
             <p:ph idx="2" type="sldImg"/>
@@ -24544,7 +24644,266 @@
       </p:grpSpPr>
       <p:sp>
         <p:nvSpPr>
-          <p:cNvPr id="250" name="Google Shape;250;geb618f3862_0_0"/>
+          <p:cNvPr id="250" name="Google Shape;250;g232bef3c2ac_0_40"/>
+          <p:cNvSpPr txBox="1"/>
+          <p:nvPr>
+            <p:ph type="title"/>
+          </p:nvPr>
+        </p:nvSpPr>
+        <p:spPr>
+          <a:xfrm>
+            <a:off x="838080" y="216000"/>
+            <a:ext cx="10515300" cy="1325100"/>
+          </a:xfrm>
+          <a:prstGeom prst="rect">
+            <a:avLst/>
+          </a:prstGeom>
+          <a:noFill/>
+          <a:ln>
+            <a:noFill/>
+          </a:ln>
+        </p:spPr>
+        <p:txBody>
+          <a:bodyPr anchorCtr="0" anchor="ctr" bIns="0" lIns="0" spcFirstLastPara="1" rIns="0" wrap="square" tIns="0">
+            <a:noAutofit/>
+          </a:bodyPr>
+          <a:lstStyle/>
+          <a:p>
+            <a:pPr indent="0" lvl="0" marL="0" rtl="0" algn="l">
+              <a:spcBef>
+                <a:spcPts val="0"/>
+              </a:spcBef>
+              <a:spcAft>
+                <a:spcPts val="0"/>
+              </a:spcAft>
+              <a:buSzPts val="1400"/>
+              <a:buNone/>
+            </a:pPr>
+            <a:r>
+              <a:rPr b="1" lang="en-US">
+                <a:solidFill>
+                  <a:schemeClr val="dk1"/>
+                </a:solidFill>
+              </a:rPr>
+              <a:t>Modern Phishing with Evilginx2 (Preview)</a:t>
+            </a:r>
+            <a:endParaRPr b="1">
+              <a:solidFill>
+                <a:schemeClr val="dk1"/>
+              </a:solidFill>
+            </a:endParaRPr>
+          </a:p>
+          <a:p>
+            <a:pPr indent="0" lvl="0" marL="0" rtl="0" algn="l">
+              <a:lnSpc>
+                <a:spcPct val="100000"/>
+              </a:lnSpc>
+              <a:spcBef>
+                <a:spcPts val="0"/>
+              </a:spcBef>
+              <a:spcAft>
+                <a:spcPts val="0"/>
+              </a:spcAft>
+              <a:buSzPts val="1400"/>
+              <a:buNone/>
+            </a:pPr>
+            <a:r>
+              <a:t/>
+            </a:r>
+            <a:endParaRPr/>
+          </a:p>
+        </p:txBody>
+      </p:sp>
+      <p:pic>
+        <p:nvPicPr>
+          <p:cNvPr id="251" name="Google Shape;251;g232bef3c2ac_0_40"/>
+          <p:cNvPicPr preferRelativeResize="0"/>
+          <p:nvPr/>
+        </p:nvPicPr>
+        <p:blipFill>
+          <a:blip r:embed="rId3">
+            <a:alphaModFix/>
+          </a:blip>
+          <a:stretch>
+            <a:fillRect/>
+          </a:stretch>
+        </p:blipFill>
+        <p:spPr>
+          <a:xfrm>
+            <a:off x="9567725" y="185825"/>
+            <a:ext cx="2423140" cy="1325150"/>
+          </a:xfrm>
+          <a:prstGeom prst="rect">
+            <a:avLst/>
+          </a:prstGeom>
+          <a:noFill/>
+          <a:ln>
+            <a:noFill/>
+          </a:ln>
+        </p:spPr>
+      </p:pic>
+      <p:pic>
+        <p:nvPicPr>
+          <p:cNvPr id="252" name="Google Shape;252;g232bef3c2ac_0_40"/>
+          <p:cNvPicPr preferRelativeResize="0"/>
+          <p:nvPr/>
+        </p:nvPicPr>
+        <p:blipFill>
+          <a:blip r:embed="rId4">
+            <a:alphaModFix/>
+          </a:blip>
+          <a:stretch>
+            <a:fillRect/>
+          </a:stretch>
+        </p:blipFill>
+        <p:spPr>
+          <a:xfrm>
+            <a:off x="564550" y="1009049"/>
+            <a:ext cx="7582825" cy="928107"/>
+          </a:xfrm>
+          <a:prstGeom prst="rect">
+            <a:avLst/>
+          </a:prstGeom>
+          <a:noFill/>
+          <a:ln>
+            <a:noFill/>
+          </a:ln>
+        </p:spPr>
+      </p:pic>
+      <p:pic>
+        <p:nvPicPr>
+          <p:cNvPr id="253" name="Google Shape;253;g232bef3c2ac_0_40"/>
+          <p:cNvPicPr preferRelativeResize="0"/>
+          <p:nvPr/>
+        </p:nvPicPr>
+        <p:blipFill>
+          <a:blip r:embed="rId5">
+            <a:alphaModFix/>
+          </a:blip>
+          <a:stretch>
+            <a:fillRect/>
+          </a:stretch>
+        </p:blipFill>
+        <p:spPr>
+          <a:xfrm>
+            <a:off x="104550" y="2249000"/>
+            <a:ext cx="5993773" cy="3309999"/>
+          </a:xfrm>
+          <a:prstGeom prst="rect">
+            <a:avLst/>
+          </a:prstGeom>
+          <a:noFill/>
+          <a:ln>
+            <a:noFill/>
+          </a:ln>
+        </p:spPr>
+      </p:pic>
+      <p:pic>
+        <p:nvPicPr>
+          <p:cNvPr id="254" name="Google Shape;254;g232bef3c2ac_0_40"/>
+          <p:cNvPicPr preferRelativeResize="0"/>
+          <p:nvPr/>
+        </p:nvPicPr>
+        <p:blipFill>
+          <a:blip r:embed="rId6">
+            <a:alphaModFix/>
+          </a:blip>
+          <a:stretch>
+            <a:fillRect/>
+          </a:stretch>
+        </p:blipFill>
+        <p:spPr>
+          <a:xfrm>
+            <a:off x="6153150" y="3664656"/>
+            <a:ext cx="5894251" cy="1963068"/>
+          </a:xfrm>
+          <a:prstGeom prst="rect">
+            <a:avLst/>
+          </a:prstGeom>
+          <a:noFill/>
+          <a:ln>
+            <a:noFill/>
+          </a:ln>
+        </p:spPr>
+      </p:pic>
+      <p:sp>
+        <p:nvSpPr>
+          <p:cNvPr id="255" name="Google Shape;255;g232bef3c2ac_0_40"/>
+          <p:cNvSpPr txBox="1"/>
+          <p:nvPr/>
+        </p:nvSpPr>
+        <p:spPr>
+          <a:xfrm>
+            <a:off x="6418275" y="2618850"/>
+            <a:ext cx="5364000" cy="461700"/>
+          </a:xfrm>
+          <a:prstGeom prst="rect">
+            <a:avLst/>
+          </a:prstGeom>
+          <a:noFill/>
+          <a:ln>
+            <a:noFill/>
+          </a:ln>
+        </p:spPr>
+        <p:txBody>
+          <a:bodyPr anchorCtr="0" anchor="t" bIns="91425" lIns="91425" spcFirstLastPara="1" rIns="91425" wrap="square" tIns="91425">
+            <a:spAutoFit/>
+          </a:bodyPr>
+          <a:lstStyle/>
+          <a:p>
+            <a:pPr indent="-228600" lvl="0" marL="457200" rtl="0" algn="l">
+              <a:spcBef>
+                <a:spcPts val="0"/>
+              </a:spcBef>
+              <a:spcAft>
+                <a:spcPts val="0"/>
+              </a:spcAft>
+              <a:buNone/>
+            </a:pPr>
+            <a:r>
+              <a:rPr lang="en-US" sz="1800">
+                <a:solidFill>
+                  <a:schemeClr val="dk1"/>
+                </a:solidFill>
+              </a:rPr>
+              <a:t>Next month we’ll teach you how to phishlet ;)</a:t>
+            </a:r>
+            <a:endParaRPr sz="1800">
+              <a:solidFill>
+                <a:schemeClr val="dk1"/>
+              </a:solidFill>
+            </a:endParaRPr>
+          </a:p>
+        </p:txBody>
+      </p:sp>
+    </p:spTree>
+  </p:cSld>
+  <p:clrMapOvr>
+    <a:masterClrMapping/>
+  </p:clrMapOvr>
+</p:sld>
+</file>
+
+<file path=ppt/slides/slide11.xml><?xml version="1.0" encoding="utf-8"?>
+<p:sld xmlns:a="http://schemas.openxmlformats.org/drawingml/2006/main" xmlns:r="http://schemas.openxmlformats.org/officeDocument/2006/relationships" xmlns:mc="http://schemas.openxmlformats.org/markup-compatibility/2006" xmlns:mv="urn:schemas-microsoft-com:mac:vml" xmlns:p="http://schemas.openxmlformats.org/presentationml/2006/main" xmlns:c="http://schemas.openxmlformats.org/drawingml/2006/chart" xmlns:dgm="http://schemas.openxmlformats.org/drawingml/2006/diagram" xmlns:o="urn:schemas-microsoft-com:office:office" xmlns:v="urn:schemas-microsoft-com:vml" xmlns:pvml="urn:schemas-microsoft-com:office:powerpoint" xmlns:com="http://schemas.openxmlformats.org/drawingml/2006/compatibility" xmlns:p14="http://schemas.microsoft.com/office/powerpoint/2010/main" xmlns:p15="http://schemas.microsoft.com/office/powerpoint/2012/main" xmlns:ahyp="http://schemas.microsoft.com/office/drawing/2018/hyperlinkcolor">
+  <p:cSld>
+    <p:spTree>
+      <p:nvGrpSpPr>
+        <p:cNvPr id="259" name="Shape 259"/>
+        <p:cNvGrpSpPr/>
+        <p:nvPr/>
+      </p:nvGrpSpPr>
+      <p:grpSpPr>
+        <a:xfrm>
+          <a:off x="0" y="0"/>
+          <a:ext cx="0" cy="0"/>
+          <a:chOff x="0" y="0"/>
+          <a:chExt cx="0" cy="0"/>
+        </a:xfrm>
+      </p:grpSpPr>
+      <p:sp>
+        <p:nvSpPr>
+          <p:cNvPr id="260" name="Google Shape;260;geb618f3862_0_0"/>
           <p:cNvSpPr txBox="1"/>
           <p:nvPr/>
         </p:nvSpPr>
@@ -24610,7 +24969,7 @@
       </p:sp>
       <p:sp>
         <p:nvSpPr>
-          <p:cNvPr id="251" name="Google Shape;251;geb618f3862_0_0"/>
+          <p:cNvPr id="261" name="Google Shape;261;geb618f3862_0_0"/>
           <p:cNvSpPr txBox="1"/>
           <p:nvPr/>
         </p:nvSpPr>
@@ -28651,7 +29010,7 @@
             </a:pPr>
             <a:r>
               <a:rPr lang="en-US"/>
-              <a:t>Preview</a:t>
+              <a:t>Demo (preview?)</a:t>
             </a:r>
             <a:endParaRPr/>
           </a:p>
@@ -28983,9 +29342,9 @@
 </file>
 
 <file path=ppt/theme/theme2.xml><?xml version="1.0" encoding="utf-8"?>
-<a:theme xmlns:a="http://schemas.openxmlformats.org/drawingml/2006/main" xmlns:r="http://schemas.openxmlformats.org/officeDocument/2006/relationships">
+<a:theme xmlns:a="http://schemas.openxmlformats.org/drawingml/2006/main" xmlns:r="http://schemas.openxmlformats.org/officeDocument/2006/relationships" name="Office Theme">
   <a:themeElements>
-    <a:clrScheme name="Default">
+    <a:clrScheme name="Office">
       <a:dk1>
         <a:srgbClr val="000000"/>
       </a:dk1>
@@ -28993,34 +29352,34 @@
         <a:srgbClr val="FFFFFF"/>
       </a:lt1>
       <a:dk2>
-        <a:srgbClr val="158158"/>
+        <a:srgbClr val="44546A"/>
       </a:dk2>
       <a:lt2>
-        <a:srgbClr val="F3F3F3"/>
+        <a:srgbClr val="E7E6E6"/>
       </a:lt2>
       <a:accent1>
-        <a:srgbClr val="058DC7"/>
+        <a:srgbClr val="4472C4"/>
       </a:accent1>
       <a:accent2>
-        <a:srgbClr val="50B432"/>
+        <a:srgbClr val="ED7D31"/>
       </a:accent2>
       <a:accent3>
-        <a:srgbClr val="ED561B"/>
+        <a:srgbClr val="A5A5A5"/>
       </a:accent3>
       <a:accent4>
-        <a:srgbClr val="EDEF00"/>
+        <a:srgbClr val="FFC000"/>
       </a:accent4>
       <a:accent5>
-        <a:srgbClr val="24CBE5"/>
+        <a:srgbClr val="5B9BD5"/>
       </a:accent5>
       <a:accent6>
-        <a:srgbClr val="64E572"/>
+        <a:srgbClr val="70AD47"/>
       </a:accent6>
       <a:hlink>
-        <a:srgbClr val="2200CC"/>
+        <a:srgbClr val="0563C1"/>
       </a:hlink>
       <a:folHlink>
-        <a:srgbClr val="551A8B"/>
+        <a:srgbClr val="954F72"/>
       </a:folHlink>
     </a:clrScheme>
     <a:fontScheme name="Office">
@@ -29262,9 +29621,9 @@
 </file>
 
 <file path=ppt/theme/theme3.xml><?xml version="1.0" encoding="utf-8"?>
-<a:theme xmlns:a="http://schemas.openxmlformats.org/drawingml/2006/main" xmlns:r="http://schemas.openxmlformats.org/officeDocument/2006/relationships" name="Office Theme">
+<a:theme xmlns:a="http://schemas.openxmlformats.org/drawingml/2006/main" xmlns:r="http://schemas.openxmlformats.org/officeDocument/2006/relationships">
   <a:themeElements>
-    <a:clrScheme name="Office">
+    <a:clrScheme name="Default">
       <a:dk1>
         <a:srgbClr val="000000"/>
       </a:dk1>
@@ -29272,34 +29631,34 @@
         <a:srgbClr val="FFFFFF"/>
       </a:lt1>
       <a:dk2>
-        <a:srgbClr val="44546A"/>
+        <a:srgbClr val="158158"/>
       </a:dk2>
       <a:lt2>
-        <a:srgbClr val="E7E6E6"/>
+        <a:srgbClr val="F3F3F3"/>
       </a:lt2>
       <a:accent1>
-        <a:srgbClr val="4472C4"/>
+        <a:srgbClr val="058DC7"/>
       </a:accent1>
       <a:accent2>
-        <a:srgbClr val="ED7D31"/>
+        <a:srgbClr val="50B432"/>
       </a:accent2>
       <a:accent3>
-        <a:srgbClr val="A5A5A5"/>
+        <a:srgbClr val="ED561B"/>
       </a:accent3>
       <a:accent4>
-        <a:srgbClr val="FFC000"/>
+        <a:srgbClr val="EDEF00"/>
       </a:accent4>
       <a:accent5>
-        <a:srgbClr val="5B9BD5"/>
+        <a:srgbClr val="24CBE5"/>
       </a:accent5>
       <a:accent6>
-        <a:srgbClr val="70AD47"/>
+        <a:srgbClr val="64E572"/>
       </a:accent6>
       <a:hlink>
-        <a:srgbClr val="0563C1"/>
+        <a:srgbClr val="2200CC"/>
       </a:hlink>
       <a:folHlink>
-        <a:srgbClr val="954F72"/>
+        <a:srgbClr val="551A8B"/>
       </a:folHlink>
     </a:clrScheme>
     <a:fontScheme name="Office">
